--- a/project1_EnterpriseAnalyticalDataLake/diagrams/trendytech_batch_data_ingestion.pptx
+++ b/project1_EnterpriseAnalyticalDataLake/diagrams/trendytech_batch_data_ingestion.pptx
@@ -261,7 +261,7 @@
           <a:p>
             <a:fld id="{C73AB655-B919-4639-A5A5-9949307BD447}" type="datetimeFigureOut">
               <a:rPr lang="en-SG" smtClean="0"/>
-              <a:t>7/9/2023</a:t>
+              <a:t>10/9/2023</a:t>
             </a:fld>
             <a:endParaRPr lang="en-SG"/>
           </a:p>
@@ -461,7 +461,7 @@
           <a:p>
             <a:fld id="{C73AB655-B919-4639-A5A5-9949307BD447}" type="datetimeFigureOut">
               <a:rPr lang="en-SG" smtClean="0"/>
-              <a:t>7/9/2023</a:t>
+              <a:t>10/9/2023</a:t>
             </a:fld>
             <a:endParaRPr lang="en-SG"/>
           </a:p>
@@ -671,7 +671,7 @@
           <a:p>
             <a:fld id="{C73AB655-B919-4639-A5A5-9949307BD447}" type="datetimeFigureOut">
               <a:rPr lang="en-SG" smtClean="0"/>
-              <a:t>7/9/2023</a:t>
+              <a:t>10/9/2023</a:t>
             </a:fld>
             <a:endParaRPr lang="en-SG"/>
           </a:p>
@@ -871,7 +871,7 @@
           <a:p>
             <a:fld id="{C73AB655-B919-4639-A5A5-9949307BD447}" type="datetimeFigureOut">
               <a:rPr lang="en-SG" smtClean="0"/>
-              <a:t>7/9/2023</a:t>
+              <a:t>10/9/2023</a:t>
             </a:fld>
             <a:endParaRPr lang="en-SG"/>
           </a:p>
@@ -1147,7 +1147,7 @@
           <a:p>
             <a:fld id="{C73AB655-B919-4639-A5A5-9949307BD447}" type="datetimeFigureOut">
               <a:rPr lang="en-SG" smtClean="0"/>
-              <a:t>7/9/2023</a:t>
+              <a:t>10/9/2023</a:t>
             </a:fld>
             <a:endParaRPr lang="en-SG"/>
           </a:p>
@@ -1415,7 +1415,7 @@
           <a:p>
             <a:fld id="{C73AB655-B919-4639-A5A5-9949307BD447}" type="datetimeFigureOut">
               <a:rPr lang="en-SG" smtClean="0"/>
-              <a:t>7/9/2023</a:t>
+              <a:t>10/9/2023</a:t>
             </a:fld>
             <a:endParaRPr lang="en-SG"/>
           </a:p>
@@ -1830,7 +1830,7 @@
           <a:p>
             <a:fld id="{C73AB655-B919-4639-A5A5-9949307BD447}" type="datetimeFigureOut">
               <a:rPr lang="en-SG" smtClean="0"/>
-              <a:t>7/9/2023</a:t>
+              <a:t>10/9/2023</a:t>
             </a:fld>
             <a:endParaRPr lang="en-SG"/>
           </a:p>
@@ -1972,7 +1972,7 @@
           <a:p>
             <a:fld id="{C73AB655-B919-4639-A5A5-9949307BD447}" type="datetimeFigureOut">
               <a:rPr lang="en-SG" smtClean="0"/>
-              <a:t>7/9/2023</a:t>
+              <a:t>10/9/2023</a:t>
             </a:fld>
             <a:endParaRPr lang="en-SG"/>
           </a:p>
@@ -2085,7 +2085,7 @@
           <a:p>
             <a:fld id="{C73AB655-B919-4639-A5A5-9949307BD447}" type="datetimeFigureOut">
               <a:rPr lang="en-SG" smtClean="0"/>
-              <a:t>7/9/2023</a:t>
+              <a:t>10/9/2023</a:t>
             </a:fld>
             <a:endParaRPr lang="en-SG"/>
           </a:p>
@@ -2398,7 +2398,7 @@
           <a:p>
             <a:fld id="{C73AB655-B919-4639-A5A5-9949307BD447}" type="datetimeFigureOut">
               <a:rPr lang="en-SG" smtClean="0"/>
-              <a:t>7/9/2023</a:t>
+              <a:t>10/9/2023</a:t>
             </a:fld>
             <a:endParaRPr lang="en-SG"/>
           </a:p>
@@ -2687,7 +2687,7 @@
           <a:p>
             <a:fld id="{C73AB655-B919-4639-A5A5-9949307BD447}" type="datetimeFigureOut">
               <a:rPr lang="en-SG" smtClean="0"/>
-              <a:t>7/9/2023</a:t>
+              <a:t>10/9/2023</a:t>
             </a:fld>
             <a:endParaRPr lang="en-SG"/>
           </a:p>
@@ -2930,7 +2930,7 @@
           <a:p>
             <a:fld id="{C73AB655-B919-4639-A5A5-9949307BD447}" type="datetimeFigureOut">
               <a:rPr lang="en-SG" smtClean="0"/>
-              <a:t>7/9/2023</a:t>
+              <a:t>10/9/2023</a:t>
             </a:fld>
             <a:endParaRPr lang="en-SG"/>
           </a:p>
@@ -4428,8 +4428,8 @@
           <a:p>
             <a:pPr algn="ctr"/>
             <a:r>
-              <a:rPr lang="en-US" sz="900" dirty="0" err="1"/>
-              <a:t>sqoop</a:t>
+              <a:rPr lang="en-US" sz="900" dirty="0"/>
+              <a:t>Sqoop</a:t>
             </a:r>
             <a:endParaRPr lang="en-SG" sz="900" dirty="0"/>
           </a:p>

--- a/project1_EnterpriseAnalyticalDataLake/diagrams/trendytech_batch_data_ingestion.pptx
+++ b/project1_EnterpriseAnalyticalDataLake/diagrams/trendytech_batch_data_ingestion.pptx
@@ -261,7 +261,7 @@
           <a:p>
             <a:fld id="{C73AB655-B919-4639-A5A5-9949307BD447}" type="datetimeFigureOut">
               <a:rPr lang="en-SG" smtClean="0"/>
-              <a:t>10/9/2023</a:t>
+              <a:t>16/9/2023</a:t>
             </a:fld>
             <a:endParaRPr lang="en-SG"/>
           </a:p>
@@ -461,7 +461,7 @@
           <a:p>
             <a:fld id="{C73AB655-B919-4639-A5A5-9949307BD447}" type="datetimeFigureOut">
               <a:rPr lang="en-SG" smtClean="0"/>
-              <a:t>10/9/2023</a:t>
+              <a:t>16/9/2023</a:t>
             </a:fld>
             <a:endParaRPr lang="en-SG"/>
           </a:p>
@@ -671,7 +671,7 @@
           <a:p>
             <a:fld id="{C73AB655-B919-4639-A5A5-9949307BD447}" type="datetimeFigureOut">
               <a:rPr lang="en-SG" smtClean="0"/>
-              <a:t>10/9/2023</a:t>
+              <a:t>16/9/2023</a:t>
             </a:fld>
             <a:endParaRPr lang="en-SG"/>
           </a:p>
@@ -871,7 +871,7 @@
           <a:p>
             <a:fld id="{C73AB655-B919-4639-A5A5-9949307BD447}" type="datetimeFigureOut">
               <a:rPr lang="en-SG" smtClean="0"/>
-              <a:t>10/9/2023</a:t>
+              <a:t>16/9/2023</a:t>
             </a:fld>
             <a:endParaRPr lang="en-SG"/>
           </a:p>
@@ -1147,7 +1147,7 @@
           <a:p>
             <a:fld id="{C73AB655-B919-4639-A5A5-9949307BD447}" type="datetimeFigureOut">
               <a:rPr lang="en-SG" smtClean="0"/>
-              <a:t>10/9/2023</a:t>
+              <a:t>16/9/2023</a:t>
             </a:fld>
             <a:endParaRPr lang="en-SG"/>
           </a:p>
@@ -1415,7 +1415,7 @@
           <a:p>
             <a:fld id="{C73AB655-B919-4639-A5A5-9949307BD447}" type="datetimeFigureOut">
               <a:rPr lang="en-SG" smtClean="0"/>
-              <a:t>10/9/2023</a:t>
+              <a:t>16/9/2023</a:t>
             </a:fld>
             <a:endParaRPr lang="en-SG"/>
           </a:p>
@@ -1830,7 +1830,7 @@
           <a:p>
             <a:fld id="{C73AB655-B919-4639-A5A5-9949307BD447}" type="datetimeFigureOut">
               <a:rPr lang="en-SG" smtClean="0"/>
-              <a:t>10/9/2023</a:t>
+              <a:t>16/9/2023</a:t>
             </a:fld>
             <a:endParaRPr lang="en-SG"/>
           </a:p>
@@ -1972,7 +1972,7 @@
           <a:p>
             <a:fld id="{C73AB655-B919-4639-A5A5-9949307BD447}" type="datetimeFigureOut">
               <a:rPr lang="en-SG" smtClean="0"/>
-              <a:t>10/9/2023</a:t>
+              <a:t>16/9/2023</a:t>
             </a:fld>
             <a:endParaRPr lang="en-SG"/>
           </a:p>
@@ -2085,7 +2085,7 @@
           <a:p>
             <a:fld id="{C73AB655-B919-4639-A5A5-9949307BD447}" type="datetimeFigureOut">
               <a:rPr lang="en-SG" smtClean="0"/>
-              <a:t>10/9/2023</a:t>
+              <a:t>16/9/2023</a:t>
             </a:fld>
             <a:endParaRPr lang="en-SG"/>
           </a:p>
@@ -2398,7 +2398,7 @@
           <a:p>
             <a:fld id="{C73AB655-B919-4639-A5A5-9949307BD447}" type="datetimeFigureOut">
               <a:rPr lang="en-SG" smtClean="0"/>
-              <a:t>10/9/2023</a:t>
+              <a:t>16/9/2023</a:t>
             </a:fld>
             <a:endParaRPr lang="en-SG"/>
           </a:p>
@@ -2687,7 +2687,7 @@
           <a:p>
             <a:fld id="{C73AB655-B919-4639-A5A5-9949307BD447}" type="datetimeFigureOut">
               <a:rPr lang="en-SG" smtClean="0"/>
-              <a:t>10/9/2023</a:t>
+              <a:t>16/9/2023</a:t>
             </a:fld>
             <a:endParaRPr lang="en-SG"/>
           </a:p>
@@ -2930,7 +2930,7 @@
           <a:p>
             <a:fld id="{C73AB655-B919-4639-A5A5-9949307BD447}" type="datetimeFigureOut">
               <a:rPr lang="en-SG" smtClean="0"/>
-              <a:t>10/9/2023</a:t>
+              <a:t>16/9/2023</a:t>
             </a:fld>
             <a:endParaRPr lang="en-SG"/>
           </a:p>
@@ -4429,7 +4429,15 @@
             <a:pPr algn="ctr"/>
             <a:r>
               <a:rPr lang="en-US" sz="900" dirty="0"/>
-              <a:t>Sqoop</a:t>
+              <a:t>Python/</a:t>
+            </a:r>
+            <a:r>
+              <a:rPr lang="en-US" sz="900" dirty="0" err="1"/>
+              <a:t>sql</a:t>
+            </a:r>
+            <a:r>
+              <a:rPr lang="en-US" sz="900" dirty="0"/>
+              <a:t> lib</a:t>
             </a:r>
             <a:endParaRPr lang="en-SG" sz="900" dirty="0"/>
           </a:p>
